--- a/Dokumentacija/VladislavsTraškovs_2020_kvd.pptx
+++ b/Dokumentacija/VladislavsTraškovs_2020_kvd.pptx
@@ -4474,31 +4474,39 @@
       </p:sp>
       <p:pic>
         <p:nvPicPr>
-          <p:cNvPr id="7" name="Picture 7" descr="A screenshot of a cell phone&#10;&#10;Description generated with high confidence">
+          <p:cNvPr id="5" name="Content Placeholder 4" descr="arhitektura-main"/>
+          <p:cNvPicPr>
+            <a:picLocks noGrp="1"/>
+          </p:cNvPicPr>
+          <p:nvPr>
+            <p:ph idx="1"/>
+          </p:nvPr>
+        </p:nvPicPr>
+        <p:blipFill>
+          <a:blip r:embed="rId2">
             <a:extLst>
-              <a:ext uri="{FF2B5EF4-FFF2-40B4-BE49-F238E27FC236}">
-                <a16:creationId xmlns:a16="http://schemas.microsoft.com/office/drawing/2014/main" id="{E9155346-7398-4C60-9D82-8ADB91AECDA9}"/>
+              <a:ext uri="{28A0092B-C50C-407E-A947-70E740481C1C}">
+                <a14:useLocalDpi xmlns:a14="http://schemas.microsoft.com/office/drawing/2010/main" val="0"/>
               </a:ext>
             </a:extLst>
-          </p:cNvPr>
-          <p:cNvPicPr>
-            <a:picLocks noGrp="1" noChangeAspect="1"/>
-          </p:cNvPicPr>
-          <p:nvPr>
-            <p:ph idx="1"/>
-          </p:nvPr>
-        </p:nvPicPr>
-        <p:blipFill>
-          <a:blip r:embed="rId2"/>
+          </a:blip>
+          <a:srcRect/>
           <a:stretch>
             <a:fillRect/>
           </a:stretch>
         </p:blipFill>
-        <p:spPr>
-          <a:xfrm>
-            <a:off x="1152623" y="1816979"/>
-            <a:ext cx="9617034" cy="4540944"/>
-          </a:xfrm>
+        <p:spPr bwMode="auto">
+          <a:xfrm>
+            <a:off x="1675277" y="1846263"/>
+            <a:ext cx="8901772" cy="4022725"/>
+          </a:xfrm>
+          <a:prstGeom prst="rect">
+            <a:avLst/>
+          </a:prstGeom>
+          <a:noFill/>
+          <a:ln>
+            <a:noFill/>
+          </a:ln>
         </p:spPr>
       </p:pic>
     </p:spTree>
@@ -4547,7 +4555,7 @@
                 <a16:creationId xmlns:a16="http://schemas.microsoft.com/office/drawing/2014/main" id="{0AB6E427-3F73-4C06-A5D5-AE52C3883B50}"/>
               </a:ext>
               <a:ext uri="{C183D7F6-B498-43B3-948B-1728B52AA6E4}">
-                <adec:decorative xmlns="" xmlns:adec="http://schemas.microsoft.com/office/drawing/2017/decorative" val="1"/>
+                <adec:decorative xmlns:adec="http://schemas.microsoft.com/office/drawing/2017/decorative" xmlns="" val="1"/>
               </a:ext>
             </a:extLst>
           </p:cNvPr>
@@ -4607,7 +4615,7 @@
                 <a16:creationId xmlns:a16="http://schemas.microsoft.com/office/drawing/2014/main" id="{D8C9BDAA-0390-4B39-9B5C-BC95E5120DA4}"/>
               </a:ext>
               <a:ext uri="{C183D7F6-B498-43B3-948B-1728B52AA6E4}">
-                <adec:decorative xmlns="" xmlns:adec="http://schemas.microsoft.com/office/drawing/2017/decorative" val="1"/>
+                <adec:decorative xmlns:adec="http://schemas.microsoft.com/office/drawing/2017/decorative" xmlns="" val="1"/>
               </a:ext>
             </a:extLst>
           </p:cNvPr>
@@ -4708,7 +4716,7 @@
                 <a16:creationId xmlns:a16="http://schemas.microsoft.com/office/drawing/2014/main" id="{F9DB1FE5-9D46-433B-99D1-2F1B8DC79855}"/>
               </a:ext>
               <a:ext uri="{C183D7F6-B498-43B3-948B-1728B52AA6E4}">
-                <adec:decorative xmlns="" xmlns:adec="http://schemas.microsoft.com/office/drawing/2017/decorative" val="1"/>
+                <adec:decorative xmlns:adec="http://schemas.microsoft.com/office/drawing/2017/decorative" xmlns="" val="1"/>
               </a:ext>
             </a:extLst>
           </p:cNvPr>
@@ -5403,7 +5411,7 @@
                 <a16:creationId xmlns:a16="http://schemas.microsoft.com/office/drawing/2014/main" id="{EB8A1B5F-0801-4AFF-A489-335B6A851FF4}"/>
               </a:ext>
               <a:ext uri="{C183D7F6-B498-43B3-948B-1728B52AA6E4}">
-                <adec:decorative xmlns="" xmlns:adec="http://schemas.microsoft.com/office/drawing/2017/decorative" val="1"/>
+                <adec:decorative xmlns:adec="http://schemas.microsoft.com/office/drawing/2017/decorative" xmlns="" val="1"/>
               </a:ext>
             </a:extLst>
           </p:cNvPr>
@@ -5458,7 +5466,7 @@
                 <a16:creationId xmlns:a16="http://schemas.microsoft.com/office/drawing/2014/main" id="{06201B52-6441-4DBA-BACE-2359775817CE}"/>
               </a:ext>
               <a:ext uri="{C183D7F6-B498-43B3-948B-1728B52AA6E4}">
-                <adec:decorative xmlns="" xmlns:adec="http://schemas.microsoft.com/office/drawing/2017/decorative" val="1"/>
+                <adec:decorative xmlns:adec="http://schemas.microsoft.com/office/drawing/2017/decorative" xmlns="" val="1"/>
               </a:ext>
             </a:extLst>
           </p:cNvPr>
@@ -5513,7 +5521,7 @@
                 <a16:creationId xmlns:a16="http://schemas.microsoft.com/office/drawing/2014/main" id="{89DF3DBB-17DD-4058-A944-5578E18A031E}"/>
               </a:ext>
               <a:ext uri="{C183D7F6-B498-43B3-948B-1728B52AA6E4}">
-                <adec:decorative xmlns="" xmlns:adec="http://schemas.microsoft.com/office/drawing/2017/decorative" val="1"/>
+                <adec:decorative xmlns:adec="http://schemas.microsoft.com/office/drawing/2017/decorative" xmlns="" val="1"/>
               </a:ext>
             </a:extLst>
           </p:cNvPr>
@@ -5568,7 +5576,7 @@
                 <a16:creationId xmlns:a16="http://schemas.microsoft.com/office/drawing/2014/main" id="{8C6E698C-8155-4B8B-BDC9-B7299772B509}"/>
               </a:ext>
               <a:ext uri="{C183D7F6-B498-43B3-948B-1728B52AA6E4}">
-                <adec:decorative xmlns="" xmlns:adec="http://schemas.microsoft.com/office/drawing/2017/decorative" val="1"/>
+                <adec:decorative xmlns:adec="http://schemas.microsoft.com/office/drawing/2017/decorative" xmlns="" val="1"/>
               </a:ext>
             </a:extLst>
           </p:cNvPr>
@@ -5691,7 +5699,7 @@
                 <a16:creationId xmlns:a16="http://schemas.microsoft.com/office/drawing/2014/main" id="{0EEF5601-A8BC-411D-AA64-3E79320BA122}"/>
               </a:ext>
               <a:ext uri="{C183D7F6-B498-43B3-948B-1728B52AA6E4}">
-                <adec:decorative xmlns="" xmlns:adec="http://schemas.microsoft.com/office/drawing/2017/decorative" val="1"/>
+                <adec:decorative xmlns:adec="http://schemas.microsoft.com/office/drawing/2017/decorative" xmlns="" val="1"/>
               </a:ext>
             </a:extLst>
           </p:cNvPr>
@@ -5746,7 +5754,7 @@
                 <a16:creationId xmlns:a16="http://schemas.microsoft.com/office/drawing/2014/main" id="{33209156-242F-4B26-8D07-CEB2B68A9F9A}"/>
               </a:ext>
               <a:ext uri="{C183D7F6-B498-43B3-948B-1728B52AA6E4}">
-                <adec:decorative xmlns="" xmlns:adec="http://schemas.microsoft.com/office/drawing/2017/decorative" val="1"/>
+                <adec:decorative xmlns:adec="http://schemas.microsoft.com/office/drawing/2017/decorative" xmlns="" val="1"/>
               </a:ext>
             </a:extLst>
           </p:cNvPr>
